--- a/papers/(2019 IJCAI ) Sequential and Diverse Recommendation with Long Tail/S-DIV.pptx
+++ b/papers/(2019 IJCAI ) Sequential and Diverse Recommendation with Long Tail/S-DIV.pptx
@@ -12,6 +12,9 @@
     <p:sldId id="258" r:id="rId6"/>
     <p:sldId id="261" r:id="rId7"/>
     <p:sldId id="262" r:id="rId8"/>
+    <p:sldId id="263" r:id="rId9"/>
+    <p:sldId id="265" r:id="rId10"/>
+    <p:sldId id="264" r:id="rId11"/>
   </p:sldIdLst>
   <p:sldSz cx="12192000" cy="6858000"/>
   <p:notesSz cx="6858000" cy="9144000"/>
@@ -265,7 +268,7 @@
           <a:p>
             <a:fld id="{FC07745E-5F70-49CB-B4F5-D0A7B9190BB9}" type="datetimeFigureOut">
               <a:rPr lang="zh-CN" altLang="en-US" smtClean="0"/>
-              <a:t>2021/10/22</a:t>
+              <a:t>2021/10/24</a:t>
             </a:fld>
             <a:endParaRPr lang="zh-CN" altLang="en-US"/>
           </a:p>
@@ -463,7 +466,7 @@
           <a:p>
             <a:fld id="{FC07745E-5F70-49CB-B4F5-D0A7B9190BB9}" type="datetimeFigureOut">
               <a:rPr lang="zh-CN" altLang="en-US" smtClean="0"/>
-              <a:t>2021/10/22</a:t>
+              <a:t>2021/10/24</a:t>
             </a:fld>
             <a:endParaRPr lang="zh-CN" altLang="en-US"/>
           </a:p>
@@ -671,7 +674,7 @@
           <a:p>
             <a:fld id="{FC07745E-5F70-49CB-B4F5-D0A7B9190BB9}" type="datetimeFigureOut">
               <a:rPr lang="zh-CN" altLang="en-US" smtClean="0"/>
-              <a:t>2021/10/22</a:t>
+              <a:t>2021/10/24</a:t>
             </a:fld>
             <a:endParaRPr lang="zh-CN" altLang="en-US"/>
           </a:p>
@@ -869,7 +872,7 @@
           <a:p>
             <a:fld id="{FC07745E-5F70-49CB-B4F5-D0A7B9190BB9}" type="datetimeFigureOut">
               <a:rPr lang="zh-CN" altLang="en-US" smtClean="0"/>
-              <a:t>2021/10/22</a:t>
+              <a:t>2021/10/24</a:t>
             </a:fld>
             <a:endParaRPr lang="zh-CN" altLang="en-US"/>
           </a:p>
@@ -1144,7 +1147,7 @@
           <a:p>
             <a:fld id="{FC07745E-5F70-49CB-B4F5-D0A7B9190BB9}" type="datetimeFigureOut">
               <a:rPr lang="zh-CN" altLang="en-US" smtClean="0"/>
-              <a:t>2021/10/22</a:t>
+              <a:t>2021/10/24</a:t>
             </a:fld>
             <a:endParaRPr lang="zh-CN" altLang="en-US"/>
           </a:p>
@@ -1409,7 +1412,7 @@
           <a:p>
             <a:fld id="{FC07745E-5F70-49CB-B4F5-D0A7B9190BB9}" type="datetimeFigureOut">
               <a:rPr lang="zh-CN" altLang="en-US" smtClean="0"/>
-              <a:t>2021/10/22</a:t>
+              <a:t>2021/10/24</a:t>
             </a:fld>
             <a:endParaRPr lang="zh-CN" altLang="en-US"/>
           </a:p>
@@ -1821,7 +1824,7 @@
           <a:p>
             <a:fld id="{FC07745E-5F70-49CB-B4F5-D0A7B9190BB9}" type="datetimeFigureOut">
               <a:rPr lang="zh-CN" altLang="en-US" smtClean="0"/>
-              <a:t>2021/10/22</a:t>
+              <a:t>2021/10/24</a:t>
             </a:fld>
             <a:endParaRPr lang="zh-CN" altLang="en-US"/>
           </a:p>
@@ -1962,7 +1965,7 @@
           <a:p>
             <a:fld id="{FC07745E-5F70-49CB-B4F5-D0A7B9190BB9}" type="datetimeFigureOut">
               <a:rPr lang="zh-CN" altLang="en-US" smtClean="0"/>
-              <a:t>2021/10/22</a:t>
+              <a:t>2021/10/24</a:t>
             </a:fld>
             <a:endParaRPr lang="zh-CN" altLang="en-US"/>
           </a:p>
@@ -2075,7 +2078,7 @@
           <a:p>
             <a:fld id="{FC07745E-5F70-49CB-B4F5-D0A7B9190BB9}" type="datetimeFigureOut">
               <a:rPr lang="zh-CN" altLang="en-US" smtClean="0"/>
-              <a:t>2021/10/22</a:t>
+              <a:t>2021/10/24</a:t>
             </a:fld>
             <a:endParaRPr lang="zh-CN" altLang="en-US"/>
           </a:p>
@@ -2386,7 +2389,7 @@
           <a:p>
             <a:fld id="{FC07745E-5F70-49CB-B4F5-D0A7B9190BB9}" type="datetimeFigureOut">
               <a:rPr lang="zh-CN" altLang="en-US" smtClean="0"/>
-              <a:t>2021/10/22</a:t>
+              <a:t>2021/10/24</a:t>
             </a:fld>
             <a:endParaRPr lang="zh-CN" altLang="en-US"/>
           </a:p>
@@ -2674,7 +2677,7 @@
           <a:p>
             <a:fld id="{FC07745E-5F70-49CB-B4F5-D0A7B9190BB9}" type="datetimeFigureOut">
               <a:rPr lang="zh-CN" altLang="en-US" smtClean="0"/>
-              <a:t>2021/10/22</a:t>
+              <a:t>2021/10/24</a:t>
             </a:fld>
             <a:endParaRPr lang="zh-CN" altLang="en-US"/>
           </a:p>
@@ -2915,7 +2918,7 @@
           <a:p>
             <a:fld id="{FC07745E-5F70-49CB-B4F5-D0A7B9190BB9}" type="datetimeFigureOut">
               <a:rPr lang="zh-CN" altLang="en-US" smtClean="0"/>
-              <a:t>2021/10/22</a:t>
+              <a:t>2021/10/24</a:t>
             </a:fld>
             <a:endParaRPr lang="zh-CN" altLang="en-US"/>
           </a:p>
@@ -3473,6 +3476,126 @@
     <p:extLst>
       <p:ext uri="{BB962C8B-B14F-4D97-AF65-F5344CB8AC3E}">
         <p14:creationId xmlns:p14="http://schemas.microsoft.com/office/powerpoint/2010/main" val="3717683060"/>
+      </p:ext>
+    </p:extLst>
+  </p:cSld>
+  <p:clrMapOvr>
+    <a:masterClrMapping/>
+  </p:clrMapOvr>
+</p:sld>
+</file>
+
+<file path=ppt/slides/slide10.xml><?xml version="1.0" encoding="utf-8"?>
+<p:sld xmlns:a="http://schemas.openxmlformats.org/drawingml/2006/main" xmlns:r="http://schemas.openxmlformats.org/officeDocument/2006/relationships" xmlns:p="http://schemas.openxmlformats.org/presentationml/2006/main">
+  <p:cSld>
+    <p:spTree>
+      <p:nvGrpSpPr>
+        <p:cNvPr id="1" name=""/>
+        <p:cNvGrpSpPr/>
+        <p:nvPr/>
+      </p:nvGrpSpPr>
+      <p:grpSpPr>
+        <a:xfrm>
+          <a:off x="0" y="0"/>
+          <a:ext cx="0" cy="0"/>
+          <a:chOff x="0" y="0"/>
+          <a:chExt cx="0" cy="0"/>
+        </a:xfrm>
+      </p:grpSpPr>
+      <p:pic>
+        <p:nvPicPr>
+          <p:cNvPr id="5" name="图片 4">
+            <a:extLst>
+              <a:ext uri="{FF2B5EF4-FFF2-40B4-BE49-F238E27FC236}">
+                <a16:creationId xmlns:a16="http://schemas.microsoft.com/office/drawing/2014/main" id="{1F031D61-3F15-4C1F-A044-544B9A5DCC78}"/>
+              </a:ext>
+            </a:extLst>
+          </p:cNvPr>
+          <p:cNvPicPr>
+            <a:picLocks noChangeAspect="1"/>
+          </p:cNvPicPr>
+          <p:nvPr/>
+        </p:nvPicPr>
+        <p:blipFill>
+          <a:blip r:embed="rId2"/>
+          <a:stretch>
+            <a:fillRect/>
+          </a:stretch>
+        </p:blipFill>
+        <p:spPr>
+          <a:xfrm>
+            <a:off x="5782476" y="5189890"/>
+            <a:ext cx="6409524" cy="1542857"/>
+          </a:xfrm>
+          <a:prstGeom prst="rect">
+            <a:avLst/>
+          </a:prstGeom>
+        </p:spPr>
+      </p:pic>
+      <p:pic>
+        <p:nvPicPr>
+          <p:cNvPr id="7" name="图片 6">
+            <a:extLst>
+              <a:ext uri="{FF2B5EF4-FFF2-40B4-BE49-F238E27FC236}">
+                <a16:creationId xmlns:a16="http://schemas.microsoft.com/office/drawing/2014/main" id="{2B38E254-3CD5-43B1-9FD3-24E43BC36D95}"/>
+              </a:ext>
+            </a:extLst>
+          </p:cNvPr>
+          <p:cNvPicPr>
+            <a:picLocks noChangeAspect="1"/>
+          </p:cNvPicPr>
+          <p:nvPr/>
+        </p:nvPicPr>
+        <p:blipFill>
+          <a:blip r:embed="rId3"/>
+          <a:stretch>
+            <a:fillRect/>
+          </a:stretch>
+        </p:blipFill>
+        <p:spPr>
+          <a:xfrm>
+            <a:off x="2481714" y="0"/>
+            <a:ext cx="7228571" cy="5123809"/>
+          </a:xfrm>
+          <a:prstGeom prst="rect">
+            <a:avLst/>
+          </a:prstGeom>
+        </p:spPr>
+      </p:pic>
+      <p:pic>
+        <p:nvPicPr>
+          <p:cNvPr id="9" name="图片 8">
+            <a:extLst>
+              <a:ext uri="{FF2B5EF4-FFF2-40B4-BE49-F238E27FC236}">
+                <a16:creationId xmlns:a16="http://schemas.microsoft.com/office/drawing/2014/main" id="{9305B776-0E46-4D51-AA84-12C83C88AC5C}"/>
+              </a:ext>
+            </a:extLst>
+          </p:cNvPr>
+          <p:cNvPicPr>
+            <a:picLocks noChangeAspect="1"/>
+          </p:cNvPicPr>
+          <p:nvPr/>
+        </p:nvPicPr>
+        <p:blipFill>
+          <a:blip r:embed="rId4"/>
+          <a:stretch>
+            <a:fillRect/>
+          </a:stretch>
+        </p:blipFill>
+        <p:spPr>
+          <a:xfrm>
+            <a:off x="0" y="5561318"/>
+            <a:ext cx="5704762" cy="1171429"/>
+          </a:xfrm>
+          <a:prstGeom prst="rect">
+            <a:avLst/>
+          </a:prstGeom>
+        </p:spPr>
+      </p:pic>
+    </p:spTree>
+    <p:extLst>
+      <p:ext uri="{BB962C8B-B14F-4D97-AF65-F5344CB8AC3E}">
+        <p14:creationId xmlns:p14="http://schemas.microsoft.com/office/powerpoint/2010/main" val="10156984"/>
       </p:ext>
     </p:extLst>
   </p:cSld>
@@ -5946,6 +6069,1883 @@
 </p:sld>
 </file>
 
+<file path=ppt/slides/slide8.xml><?xml version="1.0" encoding="utf-8"?>
+<p:sld xmlns:a="http://schemas.openxmlformats.org/drawingml/2006/main" xmlns:r="http://schemas.openxmlformats.org/officeDocument/2006/relationships" xmlns:p="http://schemas.openxmlformats.org/presentationml/2006/main">
+  <p:cSld>
+    <p:spTree>
+      <p:nvGrpSpPr>
+        <p:cNvPr id="1" name=""/>
+        <p:cNvGrpSpPr/>
+        <p:nvPr/>
+      </p:nvGrpSpPr>
+      <p:grpSpPr>
+        <a:xfrm>
+          <a:off x="0" y="0"/>
+          <a:ext cx="0" cy="0"/>
+          <a:chOff x="0" y="0"/>
+          <a:chExt cx="0" cy="0"/>
+        </a:xfrm>
+      </p:grpSpPr>
+      <p:sp>
+        <p:nvSpPr>
+          <p:cNvPr id="4" name="文本框 3">
+            <a:extLst>
+              <a:ext uri="{FF2B5EF4-FFF2-40B4-BE49-F238E27FC236}">
+                <a16:creationId xmlns:a16="http://schemas.microsoft.com/office/drawing/2014/main" id="{0E798BCF-D0B9-4482-93F2-97EF14B0AF1E}"/>
+              </a:ext>
+            </a:extLst>
+          </p:cNvPr>
+          <p:cNvSpPr txBox="1"/>
+          <p:nvPr/>
+        </p:nvSpPr>
+        <p:spPr>
+          <a:xfrm>
+            <a:off x="805343" y="424044"/>
+            <a:ext cx="2818701" cy="369332"/>
+          </a:xfrm>
+          <a:prstGeom prst="rect">
+            <a:avLst/>
+          </a:prstGeom>
+          <a:noFill/>
+        </p:spPr>
+        <p:txBody>
+          <a:bodyPr wrap="square" rtlCol="0">
+            <a:spAutoFit/>
+          </a:bodyPr>
+          <a:lstStyle/>
+          <a:p>
+            <a:r>
+              <a:rPr lang="en-US" altLang="zh-CN" dirty="0">
+                <a:latin typeface="Times New Roman" panose="02020603050405020304" pitchFamily="18" charset="0"/>
+                <a:cs typeface="Times New Roman" panose="02020603050405020304" pitchFamily="18" charset="0"/>
+              </a:rPr>
+              <a:t>Questions</a:t>
+            </a:r>
+            <a:endParaRPr lang="zh-CN" altLang="en-US" dirty="0">
+              <a:latin typeface="Times New Roman" panose="02020603050405020304" pitchFamily="18" charset="0"/>
+              <a:cs typeface="Times New Roman" panose="02020603050405020304" pitchFamily="18" charset="0"/>
+            </a:endParaRPr>
+          </a:p>
+        </p:txBody>
+      </p:sp>
+      <p:pic>
+        <p:nvPicPr>
+          <p:cNvPr id="8" name="图片 7">
+            <a:extLst>
+              <a:ext uri="{FF2B5EF4-FFF2-40B4-BE49-F238E27FC236}">
+                <a16:creationId xmlns:a16="http://schemas.microsoft.com/office/drawing/2014/main" id="{9CBA6692-6801-41C1-B41E-13205A7FC97F}"/>
+              </a:ext>
+            </a:extLst>
+          </p:cNvPr>
+          <p:cNvPicPr>
+            <a:picLocks noChangeAspect="1"/>
+          </p:cNvPicPr>
+          <p:nvPr/>
+        </p:nvPicPr>
+        <p:blipFill>
+          <a:blip r:embed="rId2"/>
+          <a:stretch>
+            <a:fillRect/>
+          </a:stretch>
+        </p:blipFill>
+        <p:spPr>
+          <a:xfrm>
+            <a:off x="805343" y="1495624"/>
+            <a:ext cx="6780952" cy="2828571"/>
+          </a:xfrm>
+          <a:prstGeom prst="rect">
+            <a:avLst/>
+          </a:prstGeom>
+        </p:spPr>
+      </p:pic>
+      <p:sp>
+        <p:nvSpPr>
+          <p:cNvPr id="9" name="文本框 8">
+            <a:extLst>
+              <a:ext uri="{FF2B5EF4-FFF2-40B4-BE49-F238E27FC236}">
+                <a16:creationId xmlns:a16="http://schemas.microsoft.com/office/drawing/2014/main" id="{1F39AAD4-89F8-4F76-96F9-27BD3F99CC41}"/>
+              </a:ext>
+            </a:extLst>
+          </p:cNvPr>
+          <p:cNvSpPr txBox="1"/>
+          <p:nvPr/>
+        </p:nvSpPr>
+        <p:spPr>
+          <a:xfrm>
+            <a:off x="805343" y="983601"/>
+            <a:ext cx="3649211" cy="369332"/>
+          </a:xfrm>
+          <a:prstGeom prst="rect">
+            <a:avLst/>
+          </a:prstGeom>
+          <a:noFill/>
+        </p:spPr>
+        <p:txBody>
+          <a:bodyPr wrap="square" rtlCol="0">
+            <a:spAutoFit/>
+          </a:bodyPr>
+          <a:lstStyle/>
+          <a:p>
+            <a:r>
+              <a:rPr lang="en-US" altLang="zh-CN" dirty="0">
+                <a:latin typeface="Times New Roman" panose="02020603050405020304" pitchFamily="18" charset="0"/>
+                <a:cs typeface="Times New Roman" panose="02020603050405020304" pitchFamily="18" charset="0"/>
+              </a:rPr>
+              <a:t>Alternating Optimization</a:t>
+            </a:r>
+            <a:endParaRPr lang="zh-CN" altLang="en-US" dirty="0">
+              <a:latin typeface="Times New Roman" panose="02020603050405020304" pitchFamily="18" charset="0"/>
+              <a:cs typeface="Times New Roman" panose="02020603050405020304" pitchFamily="18" charset="0"/>
+            </a:endParaRPr>
+          </a:p>
+        </p:txBody>
+      </p:sp>
+    </p:spTree>
+    <p:extLst>
+      <p:ext uri="{BB962C8B-B14F-4D97-AF65-F5344CB8AC3E}">
+        <p14:creationId xmlns:p14="http://schemas.microsoft.com/office/powerpoint/2010/main" val="2298936479"/>
+      </p:ext>
+    </p:extLst>
+  </p:cSld>
+  <p:clrMapOvr>
+    <a:masterClrMapping/>
+  </p:clrMapOvr>
+</p:sld>
+</file>
+
+<file path=ppt/slides/slide9.xml><?xml version="1.0" encoding="utf-8"?>
+<p:sld xmlns:a="http://schemas.openxmlformats.org/drawingml/2006/main" xmlns:r="http://schemas.openxmlformats.org/officeDocument/2006/relationships" xmlns:p="http://schemas.openxmlformats.org/presentationml/2006/main">
+  <p:cSld>
+    <p:spTree>
+      <p:nvGrpSpPr>
+        <p:cNvPr id="1" name=""/>
+        <p:cNvGrpSpPr/>
+        <p:nvPr/>
+      </p:nvGrpSpPr>
+      <p:grpSpPr>
+        <a:xfrm>
+          <a:off x="0" y="0"/>
+          <a:ext cx="0" cy="0"/>
+          <a:chOff x="0" y="0"/>
+          <a:chExt cx="0" cy="0"/>
+        </a:xfrm>
+      </p:grpSpPr>
+      <p:sp>
+        <p:nvSpPr>
+          <p:cNvPr id="4" name="矩形 3">
+            <a:extLst>
+              <a:ext uri="{FF2B5EF4-FFF2-40B4-BE49-F238E27FC236}">
+                <a16:creationId xmlns:a16="http://schemas.microsoft.com/office/drawing/2014/main" id="{FEEBF74F-A0FF-4F5A-BECD-DA7404FB5F28}"/>
+              </a:ext>
+            </a:extLst>
+          </p:cNvPr>
+          <p:cNvSpPr/>
+          <p:nvPr/>
+        </p:nvSpPr>
+        <p:spPr>
+          <a:xfrm>
+            <a:off x="989901" y="1090569"/>
+            <a:ext cx="738231" cy="427838"/>
+          </a:xfrm>
+          <a:prstGeom prst="rect">
+            <a:avLst/>
+          </a:prstGeom>
+        </p:spPr>
+        <p:style>
+          <a:lnRef idx="2">
+            <a:schemeClr val="accent1">
+              <a:shade val="50000"/>
+            </a:schemeClr>
+          </a:lnRef>
+          <a:fillRef idx="1">
+            <a:schemeClr val="accent1"/>
+          </a:fillRef>
+          <a:effectRef idx="0">
+            <a:schemeClr val="accent1"/>
+          </a:effectRef>
+          <a:fontRef idx="minor">
+            <a:schemeClr val="lt1"/>
+          </a:fontRef>
+        </p:style>
+        <p:txBody>
+          <a:bodyPr rtlCol="0" anchor="ctr"/>
+          <a:lstStyle/>
+          <a:p>
+            <a:pPr algn="ctr"/>
+            <a:r>
+              <a:rPr lang="en-US" altLang="zh-CN" dirty="0"/>
+              <a:t>2</a:t>
+            </a:r>
+            <a:endParaRPr lang="zh-CN" altLang="en-US" dirty="0"/>
+          </a:p>
+        </p:txBody>
+      </p:sp>
+      <p:sp>
+        <p:nvSpPr>
+          <p:cNvPr id="5" name="矩形 4">
+            <a:extLst>
+              <a:ext uri="{FF2B5EF4-FFF2-40B4-BE49-F238E27FC236}">
+                <a16:creationId xmlns:a16="http://schemas.microsoft.com/office/drawing/2014/main" id="{07174FE3-C7DC-4A33-8C25-3211890E6BC3}"/>
+              </a:ext>
+            </a:extLst>
+          </p:cNvPr>
+          <p:cNvSpPr/>
+          <p:nvPr/>
+        </p:nvSpPr>
+        <p:spPr>
+          <a:xfrm>
+            <a:off x="989900" y="1823207"/>
+            <a:ext cx="738231" cy="427838"/>
+          </a:xfrm>
+          <a:prstGeom prst="rect">
+            <a:avLst/>
+          </a:prstGeom>
+        </p:spPr>
+        <p:style>
+          <a:lnRef idx="2">
+            <a:schemeClr val="accent1">
+              <a:shade val="50000"/>
+            </a:schemeClr>
+          </a:lnRef>
+          <a:fillRef idx="1">
+            <a:schemeClr val="accent1"/>
+          </a:fillRef>
+          <a:effectRef idx="0">
+            <a:schemeClr val="accent1"/>
+          </a:effectRef>
+          <a:fontRef idx="minor">
+            <a:schemeClr val="lt1"/>
+          </a:fontRef>
+        </p:style>
+        <p:txBody>
+          <a:bodyPr rtlCol="0" anchor="ctr"/>
+          <a:lstStyle/>
+          <a:p>
+            <a:pPr algn="ctr"/>
+            <a:r>
+              <a:rPr lang="en-US" altLang="zh-CN" dirty="0"/>
+              <a:t>1</a:t>
+            </a:r>
+            <a:endParaRPr lang="zh-CN" altLang="en-US" dirty="0"/>
+          </a:p>
+        </p:txBody>
+      </p:sp>
+      <p:sp>
+        <p:nvSpPr>
+          <p:cNvPr id="6" name="矩形 5">
+            <a:extLst>
+              <a:ext uri="{FF2B5EF4-FFF2-40B4-BE49-F238E27FC236}">
+                <a16:creationId xmlns:a16="http://schemas.microsoft.com/office/drawing/2014/main" id="{614C46BC-054D-43F4-A2E1-81E702C63B8D}"/>
+              </a:ext>
+            </a:extLst>
+          </p:cNvPr>
+          <p:cNvSpPr/>
+          <p:nvPr/>
+        </p:nvSpPr>
+        <p:spPr>
+          <a:xfrm>
+            <a:off x="1939255" y="1090569"/>
+            <a:ext cx="738231" cy="427838"/>
+          </a:xfrm>
+          <a:prstGeom prst="rect">
+            <a:avLst/>
+          </a:prstGeom>
+        </p:spPr>
+        <p:style>
+          <a:lnRef idx="2">
+            <a:schemeClr val="accent1">
+              <a:shade val="50000"/>
+            </a:schemeClr>
+          </a:lnRef>
+          <a:fillRef idx="1">
+            <a:schemeClr val="accent1"/>
+          </a:fillRef>
+          <a:effectRef idx="0">
+            <a:schemeClr val="accent1"/>
+          </a:effectRef>
+          <a:fontRef idx="minor">
+            <a:schemeClr val="lt1"/>
+          </a:fontRef>
+        </p:style>
+        <p:txBody>
+          <a:bodyPr rtlCol="0" anchor="ctr"/>
+          <a:lstStyle/>
+          <a:p>
+            <a:pPr algn="ctr"/>
+            <a:r>
+              <a:rPr lang="en-US" altLang="zh-CN" dirty="0"/>
+              <a:t>3</a:t>
+            </a:r>
+            <a:endParaRPr lang="zh-CN" altLang="en-US" dirty="0"/>
+          </a:p>
+        </p:txBody>
+      </p:sp>
+      <p:sp>
+        <p:nvSpPr>
+          <p:cNvPr id="7" name="矩形 6">
+            <a:extLst>
+              <a:ext uri="{FF2B5EF4-FFF2-40B4-BE49-F238E27FC236}">
+                <a16:creationId xmlns:a16="http://schemas.microsoft.com/office/drawing/2014/main" id="{8F4AE067-A869-4FB2-8E43-849A37572A47}"/>
+              </a:ext>
+            </a:extLst>
+          </p:cNvPr>
+          <p:cNvSpPr/>
+          <p:nvPr/>
+        </p:nvSpPr>
+        <p:spPr>
+          <a:xfrm>
+            <a:off x="1939254" y="1823207"/>
+            <a:ext cx="738231" cy="427838"/>
+          </a:xfrm>
+          <a:prstGeom prst="rect">
+            <a:avLst/>
+          </a:prstGeom>
+        </p:spPr>
+        <p:style>
+          <a:lnRef idx="2">
+            <a:schemeClr val="accent1">
+              <a:shade val="50000"/>
+            </a:schemeClr>
+          </a:lnRef>
+          <a:fillRef idx="1">
+            <a:schemeClr val="accent1"/>
+          </a:fillRef>
+          <a:effectRef idx="0">
+            <a:schemeClr val="accent1"/>
+          </a:effectRef>
+          <a:fontRef idx="minor">
+            <a:schemeClr val="lt1"/>
+          </a:fontRef>
+        </p:style>
+        <p:txBody>
+          <a:bodyPr rtlCol="0" anchor="ctr"/>
+          <a:lstStyle/>
+          <a:p>
+            <a:pPr algn="ctr"/>
+            <a:r>
+              <a:rPr lang="en-US" altLang="zh-CN" dirty="0"/>
+              <a:t>4</a:t>
+            </a:r>
+            <a:endParaRPr lang="zh-CN" altLang="en-US" dirty="0"/>
+          </a:p>
+        </p:txBody>
+      </p:sp>
+      <p:sp>
+        <p:nvSpPr>
+          <p:cNvPr id="8" name="矩形 7">
+            <a:extLst>
+              <a:ext uri="{FF2B5EF4-FFF2-40B4-BE49-F238E27FC236}">
+                <a16:creationId xmlns:a16="http://schemas.microsoft.com/office/drawing/2014/main" id="{321BD343-40C5-420E-998C-E4E5DB335A3D}"/>
+              </a:ext>
+            </a:extLst>
+          </p:cNvPr>
+          <p:cNvSpPr/>
+          <p:nvPr/>
+        </p:nvSpPr>
+        <p:spPr>
+          <a:xfrm>
+            <a:off x="2888609" y="1090569"/>
+            <a:ext cx="738231" cy="427838"/>
+          </a:xfrm>
+          <a:prstGeom prst="rect">
+            <a:avLst/>
+          </a:prstGeom>
+        </p:spPr>
+        <p:style>
+          <a:lnRef idx="2">
+            <a:schemeClr val="accent1">
+              <a:shade val="50000"/>
+            </a:schemeClr>
+          </a:lnRef>
+          <a:fillRef idx="1">
+            <a:schemeClr val="accent1"/>
+          </a:fillRef>
+          <a:effectRef idx="0">
+            <a:schemeClr val="accent1"/>
+          </a:effectRef>
+          <a:fontRef idx="minor">
+            <a:schemeClr val="lt1"/>
+          </a:fontRef>
+        </p:style>
+        <p:txBody>
+          <a:bodyPr rtlCol="0" anchor="ctr"/>
+          <a:lstStyle/>
+          <a:p>
+            <a:pPr algn="ctr"/>
+            <a:r>
+              <a:rPr lang="en-US" altLang="zh-CN" dirty="0"/>
+              <a:t>1</a:t>
+            </a:r>
+            <a:endParaRPr lang="zh-CN" altLang="en-US" dirty="0"/>
+          </a:p>
+        </p:txBody>
+      </p:sp>
+      <p:sp>
+        <p:nvSpPr>
+          <p:cNvPr id="9" name="矩形 8">
+            <a:extLst>
+              <a:ext uri="{FF2B5EF4-FFF2-40B4-BE49-F238E27FC236}">
+                <a16:creationId xmlns:a16="http://schemas.microsoft.com/office/drawing/2014/main" id="{DEDCAFC2-F5AA-44C0-B28C-5B226FCB9FF7}"/>
+              </a:ext>
+            </a:extLst>
+          </p:cNvPr>
+          <p:cNvSpPr/>
+          <p:nvPr/>
+        </p:nvSpPr>
+        <p:spPr>
+          <a:xfrm>
+            <a:off x="2888609" y="1795244"/>
+            <a:ext cx="738231" cy="427838"/>
+          </a:xfrm>
+          <a:prstGeom prst="rect">
+            <a:avLst/>
+          </a:prstGeom>
+        </p:spPr>
+        <p:style>
+          <a:lnRef idx="2">
+            <a:schemeClr val="accent1">
+              <a:shade val="50000"/>
+            </a:schemeClr>
+          </a:lnRef>
+          <a:fillRef idx="1">
+            <a:schemeClr val="accent1"/>
+          </a:fillRef>
+          <a:effectRef idx="0">
+            <a:schemeClr val="accent1"/>
+          </a:effectRef>
+          <a:fontRef idx="minor">
+            <a:schemeClr val="lt1"/>
+          </a:fontRef>
+        </p:style>
+        <p:txBody>
+          <a:bodyPr rtlCol="0" anchor="ctr"/>
+          <a:lstStyle/>
+          <a:p>
+            <a:pPr algn="ctr"/>
+            <a:r>
+              <a:rPr lang="en-US" altLang="zh-CN" dirty="0"/>
+              <a:t>3</a:t>
+            </a:r>
+            <a:endParaRPr lang="zh-CN" altLang="en-US" dirty="0"/>
+          </a:p>
+        </p:txBody>
+      </p:sp>
+      <p:sp>
+        <p:nvSpPr>
+          <p:cNvPr id="10" name="矩形 9">
+            <a:extLst>
+              <a:ext uri="{FF2B5EF4-FFF2-40B4-BE49-F238E27FC236}">
+                <a16:creationId xmlns:a16="http://schemas.microsoft.com/office/drawing/2014/main" id="{DCB26D53-5F68-4DAF-97BE-15AC21C3E7E4}"/>
+              </a:ext>
+            </a:extLst>
+          </p:cNvPr>
+          <p:cNvSpPr/>
+          <p:nvPr/>
+        </p:nvSpPr>
+        <p:spPr>
+          <a:xfrm>
+            <a:off x="989900" y="2555845"/>
+            <a:ext cx="738231" cy="427838"/>
+          </a:xfrm>
+          <a:prstGeom prst="rect">
+            <a:avLst/>
+          </a:prstGeom>
+        </p:spPr>
+        <p:style>
+          <a:lnRef idx="2">
+            <a:schemeClr val="accent1">
+              <a:shade val="50000"/>
+            </a:schemeClr>
+          </a:lnRef>
+          <a:fillRef idx="1">
+            <a:schemeClr val="accent1"/>
+          </a:fillRef>
+          <a:effectRef idx="0">
+            <a:schemeClr val="accent1"/>
+          </a:effectRef>
+          <a:fontRef idx="minor">
+            <a:schemeClr val="lt1"/>
+          </a:fontRef>
+        </p:style>
+        <p:txBody>
+          <a:bodyPr rtlCol="0" anchor="ctr"/>
+          <a:lstStyle/>
+          <a:p>
+            <a:pPr algn="ctr"/>
+            <a:r>
+              <a:rPr lang="en-US" altLang="zh-CN" dirty="0"/>
+              <a:t>3</a:t>
+            </a:r>
+            <a:endParaRPr lang="zh-CN" altLang="en-US" dirty="0"/>
+          </a:p>
+        </p:txBody>
+      </p:sp>
+      <p:sp>
+        <p:nvSpPr>
+          <p:cNvPr id="11" name="矩形 10">
+            <a:extLst>
+              <a:ext uri="{FF2B5EF4-FFF2-40B4-BE49-F238E27FC236}">
+                <a16:creationId xmlns:a16="http://schemas.microsoft.com/office/drawing/2014/main" id="{39636699-CF3B-48A1-95BD-E5A441E086DB}"/>
+              </a:ext>
+            </a:extLst>
+          </p:cNvPr>
+          <p:cNvSpPr/>
+          <p:nvPr/>
+        </p:nvSpPr>
+        <p:spPr>
+          <a:xfrm>
+            <a:off x="1939254" y="2555845"/>
+            <a:ext cx="738231" cy="427838"/>
+          </a:xfrm>
+          <a:prstGeom prst="rect">
+            <a:avLst/>
+          </a:prstGeom>
+        </p:spPr>
+        <p:style>
+          <a:lnRef idx="2">
+            <a:schemeClr val="accent1">
+              <a:shade val="50000"/>
+            </a:schemeClr>
+          </a:lnRef>
+          <a:fillRef idx="1">
+            <a:schemeClr val="accent1"/>
+          </a:fillRef>
+          <a:effectRef idx="0">
+            <a:schemeClr val="accent1"/>
+          </a:effectRef>
+          <a:fontRef idx="minor">
+            <a:schemeClr val="lt1"/>
+          </a:fontRef>
+        </p:style>
+        <p:txBody>
+          <a:bodyPr rtlCol="0" anchor="ctr"/>
+          <a:lstStyle/>
+          <a:p>
+            <a:pPr algn="ctr"/>
+            <a:r>
+              <a:rPr lang="en-US" altLang="zh-CN" dirty="0"/>
+              <a:t>5</a:t>
+            </a:r>
+            <a:endParaRPr lang="zh-CN" altLang="en-US" dirty="0"/>
+          </a:p>
+        </p:txBody>
+      </p:sp>
+      <p:sp>
+        <p:nvSpPr>
+          <p:cNvPr id="12" name="矩形 11">
+            <a:extLst>
+              <a:ext uri="{FF2B5EF4-FFF2-40B4-BE49-F238E27FC236}">
+                <a16:creationId xmlns:a16="http://schemas.microsoft.com/office/drawing/2014/main" id="{1E289268-5A0F-4ED8-A40C-33BDDCF4B6C1}"/>
+              </a:ext>
+            </a:extLst>
+          </p:cNvPr>
+          <p:cNvSpPr/>
+          <p:nvPr/>
+        </p:nvSpPr>
+        <p:spPr>
+          <a:xfrm>
+            <a:off x="2888608" y="2555845"/>
+            <a:ext cx="738231" cy="427838"/>
+          </a:xfrm>
+          <a:prstGeom prst="rect">
+            <a:avLst/>
+          </a:prstGeom>
+        </p:spPr>
+        <p:style>
+          <a:lnRef idx="2">
+            <a:schemeClr val="accent1">
+              <a:shade val="50000"/>
+            </a:schemeClr>
+          </a:lnRef>
+          <a:fillRef idx="1">
+            <a:schemeClr val="accent1"/>
+          </a:fillRef>
+          <a:effectRef idx="0">
+            <a:schemeClr val="accent1"/>
+          </a:effectRef>
+          <a:fontRef idx="minor">
+            <a:schemeClr val="lt1"/>
+          </a:fontRef>
+        </p:style>
+        <p:txBody>
+          <a:bodyPr rtlCol="0" anchor="ctr"/>
+          <a:lstStyle/>
+          <a:p>
+            <a:pPr algn="ctr"/>
+            <a:r>
+              <a:rPr lang="en-US" altLang="zh-CN" dirty="0"/>
+              <a:t>0</a:t>
+            </a:r>
+            <a:endParaRPr lang="zh-CN" altLang="en-US" dirty="0"/>
+          </a:p>
+        </p:txBody>
+      </p:sp>
+      <p:sp>
+        <p:nvSpPr>
+          <p:cNvPr id="13" name="矩形 12">
+            <a:extLst>
+              <a:ext uri="{FF2B5EF4-FFF2-40B4-BE49-F238E27FC236}">
+                <a16:creationId xmlns:a16="http://schemas.microsoft.com/office/drawing/2014/main" id="{992D93C1-1F0F-40C1-BB77-937279882B85}"/>
+              </a:ext>
+            </a:extLst>
+          </p:cNvPr>
+          <p:cNvSpPr/>
+          <p:nvPr/>
+        </p:nvSpPr>
+        <p:spPr>
+          <a:xfrm>
+            <a:off x="3837963" y="1090569"/>
+            <a:ext cx="738231" cy="427838"/>
+          </a:xfrm>
+          <a:prstGeom prst="rect">
+            <a:avLst/>
+          </a:prstGeom>
+        </p:spPr>
+        <p:style>
+          <a:lnRef idx="2">
+            <a:schemeClr val="accent1">
+              <a:shade val="50000"/>
+            </a:schemeClr>
+          </a:lnRef>
+          <a:fillRef idx="1">
+            <a:schemeClr val="accent1"/>
+          </a:fillRef>
+          <a:effectRef idx="0">
+            <a:schemeClr val="accent1"/>
+          </a:effectRef>
+          <a:fontRef idx="minor">
+            <a:schemeClr val="lt1"/>
+          </a:fontRef>
+        </p:style>
+        <p:txBody>
+          <a:bodyPr rtlCol="0" anchor="ctr"/>
+          <a:lstStyle/>
+          <a:p>
+            <a:pPr algn="ctr"/>
+            <a:r>
+              <a:rPr lang="en-US" altLang="zh-CN" dirty="0"/>
+              <a:t>4</a:t>
+            </a:r>
+            <a:endParaRPr lang="zh-CN" altLang="en-US" dirty="0"/>
+          </a:p>
+        </p:txBody>
+      </p:sp>
+      <p:sp>
+        <p:nvSpPr>
+          <p:cNvPr id="14" name="矩形 13">
+            <a:extLst>
+              <a:ext uri="{FF2B5EF4-FFF2-40B4-BE49-F238E27FC236}">
+                <a16:creationId xmlns:a16="http://schemas.microsoft.com/office/drawing/2014/main" id="{B9F7731E-07D6-4254-A32F-21457BF327EC}"/>
+              </a:ext>
+            </a:extLst>
+          </p:cNvPr>
+          <p:cNvSpPr/>
+          <p:nvPr/>
+        </p:nvSpPr>
+        <p:spPr>
+          <a:xfrm>
+            <a:off x="3837963" y="1795244"/>
+            <a:ext cx="738231" cy="427838"/>
+          </a:xfrm>
+          <a:prstGeom prst="rect">
+            <a:avLst/>
+          </a:prstGeom>
+        </p:spPr>
+        <p:style>
+          <a:lnRef idx="2">
+            <a:schemeClr val="accent1">
+              <a:shade val="50000"/>
+            </a:schemeClr>
+          </a:lnRef>
+          <a:fillRef idx="1">
+            <a:schemeClr val="accent1"/>
+          </a:fillRef>
+          <a:effectRef idx="0">
+            <a:schemeClr val="accent1"/>
+          </a:effectRef>
+          <a:fontRef idx="minor">
+            <a:schemeClr val="lt1"/>
+          </a:fontRef>
+        </p:style>
+        <p:txBody>
+          <a:bodyPr rtlCol="0" anchor="ctr"/>
+          <a:lstStyle/>
+          <a:p>
+            <a:pPr algn="ctr"/>
+            <a:r>
+              <a:rPr lang="en-US" altLang="zh-CN" dirty="0"/>
+              <a:t>0</a:t>
+            </a:r>
+            <a:endParaRPr lang="zh-CN" altLang="en-US" dirty="0"/>
+          </a:p>
+        </p:txBody>
+      </p:sp>
+      <p:sp>
+        <p:nvSpPr>
+          <p:cNvPr id="15" name="矩形 14">
+            <a:extLst>
+              <a:ext uri="{FF2B5EF4-FFF2-40B4-BE49-F238E27FC236}">
+                <a16:creationId xmlns:a16="http://schemas.microsoft.com/office/drawing/2014/main" id="{585A28E2-7D68-4B5B-B7E2-92F032F0B4D8}"/>
+              </a:ext>
+            </a:extLst>
+          </p:cNvPr>
+          <p:cNvSpPr/>
+          <p:nvPr/>
+        </p:nvSpPr>
+        <p:spPr>
+          <a:xfrm>
+            <a:off x="3837962" y="2555845"/>
+            <a:ext cx="738231" cy="427838"/>
+          </a:xfrm>
+          <a:prstGeom prst="rect">
+            <a:avLst/>
+          </a:prstGeom>
+        </p:spPr>
+        <p:style>
+          <a:lnRef idx="2">
+            <a:schemeClr val="accent1">
+              <a:shade val="50000"/>
+            </a:schemeClr>
+          </a:lnRef>
+          <a:fillRef idx="1">
+            <a:schemeClr val="accent1"/>
+          </a:fillRef>
+          <a:effectRef idx="0">
+            <a:schemeClr val="accent1"/>
+          </a:effectRef>
+          <a:fontRef idx="minor">
+            <a:schemeClr val="lt1"/>
+          </a:fontRef>
+        </p:style>
+        <p:txBody>
+          <a:bodyPr rtlCol="0" anchor="ctr"/>
+          <a:lstStyle/>
+          <a:p>
+            <a:pPr algn="ctr"/>
+            <a:r>
+              <a:rPr lang="en-US" altLang="zh-CN" dirty="0"/>
+              <a:t>0</a:t>
+            </a:r>
+            <a:endParaRPr lang="zh-CN" altLang="en-US" dirty="0"/>
+          </a:p>
+        </p:txBody>
+      </p:sp>
+      <p:sp>
+        <p:nvSpPr>
+          <p:cNvPr id="16" name="矩形 15">
+            <a:extLst>
+              <a:ext uri="{FF2B5EF4-FFF2-40B4-BE49-F238E27FC236}">
+                <a16:creationId xmlns:a16="http://schemas.microsoft.com/office/drawing/2014/main" id="{D32B9B28-1D75-4DED-BCF7-6EB7F2F869C4}"/>
+              </a:ext>
+            </a:extLst>
+          </p:cNvPr>
+          <p:cNvSpPr/>
+          <p:nvPr/>
+        </p:nvSpPr>
+        <p:spPr>
+          <a:xfrm>
+            <a:off x="4787316" y="1090569"/>
+            <a:ext cx="738231" cy="427838"/>
+          </a:xfrm>
+          <a:prstGeom prst="rect">
+            <a:avLst/>
+          </a:prstGeom>
+        </p:spPr>
+        <p:style>
+          <a:lnRef idx="2">
+            <a:schemeClr val="accent1">
+              <a:shade val="50000"/>
+            </a:schemeClr>
+          </a:lnRef>
+          <a:fillRef idx="1">
+            <a:schemeClr val="accent1"/>
+          </a:fillRef>
+          <a:effectRef idx="0">
+            <a:schemeClr val="accent1"/>
+          </a:effectRef>
+          <a:fontRef idx="minor">
+            <a:schemeClr val="lt1"/>
+          </a:fontRef>
+        </p:style>
+        <p:txBody>
+          <a:bodyPr rtlCol="0" anchor="ctr"/>
+          <a:lstStyle/>
+          <a:p>
+            <a:pPr algn="ctr"/>
+            <a:r>
+              <a:rPr lang="en-US" altLang="zh-CN" dirty="0"/>
+              <a:t>5</a:t>
+            </a:r>
+            <a:endParaRPr lang="zh-CN" altLang="en-US" dirty="0"/>
+          </a:p>
+        </p:txBody>
+      </p:sp>
+      <p:sp>
+        <p:nvSpPr>
+          <p:cNvPr id="17" name="矩形 16">
+            <a:extLst>
+              <a:ext uri="{FF2B5EF4-FFF2-40B4-BE49-F238E27FC236}">
+                <a16:creationId xmlns:a16="http://schemas.microsoft.com/office/drawing/2014/main" id="{431CA46D-2A86-4689-BF80-9ABB8BAD8683}"/>
+              </a:ext>
+            </a:extLst>
+          </p:cNvPr>
+          <p:cNvSpPr/>
+          <p:nvPr/>
+        </p:nvSpPr>
+        <p:spPr>
+          <a:xfrm>
+            <a:off x="4787316" y="1795244"/>
+            <a:ext cx="738231" cy="427838"/>
+          </a:xfrm>
+          <a:prstGeom prst="rect">
+            <a:avLst/>
+          </a:prstGeom>
+        </p:spPr>
+        <p:style>
+          <a:lnRef idx="2">
+            <a:schemeClr val="accent1">
+              <a:shade val="50000"/>
+            </a:schemeClr>
+          </a:lnRef>
+          <a:fillRef idx="1">
+            <a:schemeClr val="accent1"/>
+          </a:fillRef>
+          <a:effectRef idx="0">
+            <a:schemeClr val="accent1"/>
+          </a:effectRef>
+          <a:fontRef idx="minor">
+            <a:schemeClr val="lt1"/>
+          </a:fontRef>
+        </p:style>
+        <p:txBody>
+          <a:bodyPr rtlCol="0" anchor="ctr"/>
+          <a:lstStyle/>
+          <a:p>
+            <a:pPr algn="ctr"/>
+            <a:r>
+              <a:rPr lang="en-US" altLang="zh-CN" dirty="0"/>
+              <a:t>0</a:t>
+            </a:r>
+            <a:endParaRPr lang="zh-CN" altLang="en-US" dirty="0"/>
+          </a:p>
+        </p:txBody>
+      </p:sp>
+      <p:sp>
+        <p:nvSpPr>
+          <p:cNvPr id="18" name="矩形 17">
+            <a:extLst>
+              <a:ext uri="{FF2B5EF4-FFF2-40B4-BE49-F238E27FC236}">
+                <a16:creationId xmlns:a16="http://schemas.microsoft.com/office/drawing/2014/main" id="{98BAE814-3ED9-43C1-9267-2627B25E039C}"/>
+              </a:ext>
+            </a:extLst>
+          </p:cNvPr>
+          <p:cNvSpPr/>
+          <p:nvPr/>
+        </p:nvSpPr>
+        <p:spPr>
+          <a:xfrm>
+            <a:off x="4787315" y="2555845"/>
+            <a:ext cx="738231" cy="427838"/>
+          </a:xfrm>
+          <a:prstGeom prst="rect">
+            <a:avLst/>
+          </a:prstGeom>
+        </p:spPr>
+        <p:style>
+          <a:lnRef idx="2">
+            <a:schemeClr val="accent1">
+              <a:shade val="50000"/>
+            </a:schemeClr>
+          </a:lnRef>
+          <a:fillRef idx="1">
+            <a:schemeClr val="accent1"/>
+          </a:fillRef>
+          <a:effectRef idx="0">
+            <a:schemeClr val="accent1"/>
+          </a:effectRef>
+          <a:fontRef idx="minor">
+            <a:schemeClr val="lt1"/>
+          </a:fontRef>
+        </p:style>
+        <p:txBody>
+          <a:bodyPr rtlCol="0" anchor="ctr"/>
+          <a:lstStyle/>
+          <a:p>
+            <a:pPr algn="ctr"/>
+            <a:r>
+              <a:rPr lang="en-US" altLang="zh-CN" dirty="0"/>
+              <a:t>0</a:t>
+            </a:r>
+            <a:endParaRPr lang="zh-CN" altLang="en-US" dirty="0"/>
+          </a:p>
+        </p:txBody>
+      </p:sp>
+      <p:sp>
+        <p:nvSpPr>
+          <p:cNvPr id="20" name="矩形 19">
+            <a:extLst>
+              <a:ext uri="{FF2B5EF4-FFF2-40B4-BE49-F238E27FC236}">
+                <a16:creationId xmlns:a16="http://schemas.microsoft.com/office/drawing/2014/main" id="{C0EF7139-517D-4E6D-AA2E-8FEE0095B3C8}"/>
+              </a:ext>
+            </a:extLst>
+          </p:cNvPr>
+          <p:cNvSpPr/>
+          <p:nvPr/>
+        </p:nvSpPr>
+        <p:spPr>
+          <a:xfrm>
+            <a:off x="989900" y="4112004"/>
+            <a:ext cx="738231" cy="427838"/>
+          </a:xfrm>
+          <a:prstGeom prst="rect">
+            <a:avLst/>
+          </a:prstGeom>
+        </p:spPr>
+        <p:style>
+          <a:lnRef idx="2">
+            <a:schemeClr val="accent1">
+              <a:shade val="50000"/>
+            </a:schemeClr>
+          </a:lnRef>
+          <a:fillRef idx="1">
+            <a:schemeClr val="accent1"/>
+          </a:fillRef>
+          <a:effectRef idx="0">
+            <a:schemeClr val="accent1"/>
+          </a:effectRef>
+          <a:fontRef idx="minor">
+            <a:schemeClr val="lt1"/>
+          </a:fontRef>
+        </p:style>
+        <p:txBody>
+          <a:bodyPr rtlCol="0" anchor="ctr"/>
+          <a:lstStyle/>
+          <a:p>
+            <a:pPr algn="ctr"/>
+            <a:r>
+              <a:rPr lang="en-US" altLang="zh-CN" dirty="0"/>
+              <a:t>2</a:t>
+            </a:r>
+            <a:endParaRPr lang="zh-CN" altLang="en-US" dirty="0"/>
+          </a:p>
+        </p:txBody>
+      </p:sp>
+      <p:sp>
+        <p:nvSpPr>
+          <p:cNvPr id="21" name="矩形 20">
+            <a:extLst>
+              <a:ext uri="{FF2B5EF4-FFF2-40B4-BE49-F238E27FC236}">
+                <a16:creationId xmlns:a16="http://schemas.microsoft.com/office/drawing/2014/main" id="{C8035590-6FB7-4285-A595-F867759BDB81}"/>
+              </a:ext>
+            </a:extLst>
+          </p:cNvPr>
+          <p:cNvSpPr/>
+          <p:nvPr/>
+        </p:nvSpPr>
+        <p:spPr>
+          <a:xfrm>
+            <a:off x="989899" y="4844642"/>
+            <a:ext cx="738231" cy="427838"/>
+          </a:xfrm>
+          <a:prstGeom prst="rect">
+            <a:avLst/>
+          </a:prstGeom>
+        </p:spPr>
+        <p:style>
+          <a:lnRef idx="2">
+            <a:schemeClr val="accent1">
+              <a:shade val="50000"/>
+            </a:schemeClr>
+          </a:lnRef>
+          <a:fillRef idx="1">
+            <a:schemeClr val="accent1"/>
+          </a:fillRef>
+          <a:effectRef idx="0">
+            <a:schemeClr val="accent1"/>
+          </a:effectRef>
+          <a:fontRef idx="minor">
+            <a:schemeClr val="lt1"/>
+          </a:fontRef>
+        </p:style>
+        <p:txBody>
+          <a:bodyPr rtlCol="0" anchor="ctr"/>
+          <a:lstStyle/>
+          <a:p>
+            <a:pPr algn="ctr"/>
+            <a:r>
+              <a:rPr lang="en-US" altLang="zh-CN" dirty="0"/>
+              <a:t>1</a:t>
+            </a:r>
+            <a:endParaRPr lang="zh-CN" altLang="en-US" dirty="0"/>
+          </a:p>
+        </p:txBody>
+      </p:sp>
+      <p:sp>
+        <p:nvSpPr>
+          <p:cNvPr id="22" name="矩形 21">
+            <a:extLst>
+              <a:ext uri="{FF2B5EF4-FFF2-40B4-BE49-F238E27FC236}">
+                <a16:creationId xmlns:a16="http://schemas.microsoft.com/office/drawing/2014/main" id="{0EEC9DE3-321E-4511-9185-12A8666F5CAD}"/>
+              </a:ext>
+            </a:extLst>
+          </p:cNvPr>
+          <p:cNvSpPr/>
+          <p:nvPr/>
+        </p:nvSpPr>
+        <p:spPr>
+          <a:xfrm>
+            <a:off x="1939254" y="4112004"/>
+            <a:ext cx="738231" cy="427838"/>
+          </a:xfrm>
+          <a:prstGeom prst="rect">
+            <a:avLst/>
+          </a:prstGeom>
+        </p:spPr>
+        <p:style>
+          <a:lnRef idx="2">
+            <a:schemeClr val="accent1">
+              <a:shade val="50000"/>
+            </a:schemeClr>
+          </a:lnRef>
+          <a:fillRef idx="1">
+            <a:schemeClr val="accent1"/>
+          </a:fillRef>
+          <a:effectRef idx="0">
+            <a:schemeClr val="accent1"/>
+          </a:effectRef>
+          <a:fontRef idx="minor">
+            <a:schemeClr val="lt1"/>
+          </a:fontRef>
+        </p:style>
+        <p:txBody>
+          <a:bodyPr rtlCol="0" anchor="ctr"/>
+          <a:lstStyle/>
+          <a:p>
+            <a:pPr algn="ctr"/>
+            <a:r>
+              <a:rPr lang="en-US" altLang="zh-CN" dirty="0"/>
+              <a:t>3</a:t>
+            </a:r>
+            <a:endParaRPr lang="zh-CN" altLang="en-US" dirty="0"/>
+          </a:p>
+        </p:txBody>
+      </p:sp>
+      <p:sp>
+        <p:nvSpPr>
+          <p:cNvPr id="23" name="矩形 22">
+            <a:extLst>
+              <a:ext uri="{FF2B5EF4-FFF2-40B4-BE49-F238E27FC236}">
+                <a16:creationId xmlns:a16="http://schemas.microsoft.com/office/drawing/2014/main" id="{29095D9A-716E-488F-90F0-CEA7CD030E2E}"/>
+              </a:ext>
+            </a:extLst>
+          </p:cNvPr>
+          <p:cNvSpPr/>
+          <p:nvPr/>
+        </p:nvSpPr>
+        <p:spPr>
+          <a:xfrm>
+            <a:off x="1939253" y="4844642"/>
+            <a:ext cx="738231" cy="427838"/>
+          </a:xfrm>
+          <a:prstGeom prst="rect">
+            <a:avLst/>
+          </a:prstGeom>
+        </p:spPr>
+        <p:style>
+          <a:lnRef idx="2">
+            <a:schemeClr val="accent1">
+              <a:shade val="50000"/>
+            </a:schemeClr>
+          </a:lnRef>
+          <a:fillRef idx="1">
+            <a:schemeClr val="accent1"/>
+          </a:fillRef>
+          <a:effectRef idx="0">
+            <a:schemeClr val="accent1"/>
+          </a:effectRef>
+          <a:fontRef idx="minor">
+            <a:schemeClr val="lt1"/>
+          </a:fontRef>
+        </p:style>
+        <p:txBody>
+          <a:bodyPr rtlCol="0" anchor="ctr"/>
+          <a:lstStyle/>
+          <a:p>
+            <a:pPr algn="ctr"/>
+            <a:r>
+              <a:rPr lang="en-US" altLang="zh-CN" dirty="0"/>
+              <a:t>4</a:t>
+            </a:r>
+            <a:endParaRPr lang="zh-CN" altLang="en-US" dirty="0"/>
+          </a:p>
+        </p:txBody>
+      </p:sp>
+      <p:sp>
+        <p:nvSpPr>
+          <p:cNvPr id="24" name="矩形 23">
+            <a:extLst>
+              <a:ext uri="{FF2B5EF4-FFF2-40B4-BE49-F238E27FC236}">
+                <a16:creationId xmlns:a16="http://schemas.microsoft.com/office/drawing/2014/main" id="{5B5FD7D6-F53D-4912-9517-424AC79FBADC}"/>
+              </a:ext>
+            </a:extLst>
+          </p:cNvPr>
+          <p:cNvSpPr/>
+          <p:nvPr/>
+        </p:nvSpPr>
+        <p:spPr>
+          <a:xfrm>
+            <a:off x="2888608" y="4112004"/>
+            <a:ext cx="738231" cy="427838"/>
+          </a:xfrm>
+          <a:prstGeom prst="rect">
+            <a:avLst/>
+          </a:prstGeom>
+        </p:spPr>
+        <p:style>
+          <a:lnRef idx="2">
+            <a:schemeClr val="accent1">
+              <a:shade val="50000"/>
+            </a:schemeClr>
+          </a:lnRef>
+          <a:fillRef idx="1">
+            <a:schemeClr val="accent1"/>
+          </a:fillRef>
+          <a:effectRef idx="0">
+            <a:schemeClr val="accent1"/>
+          </a:effectRef>
+          <a:fontRef idx="minor">
+            <a:schemeClr val="lt1"/>
+          </a:fontRef>
+        </p:style>
+        <p:txBody>
+          <a:bodyPr rtlCol="0" anchor="ctr"/>
+          <a:lstStyle/>
+          <a:p>
+            <a:pPr algn="ctr"/>
+            <a:r>
+              <a:rPr lang="en-US" altLang="zh-CN" dirty="0"/>
+              <a:t>1</a:t>
+            </a:r>
+            <a:endParaRPr lang="zh-CN" altLang="en-US" dirty="0"/>
+          </a:p>
+        </p:txBody>
+      </p:sp>
+      <p:sp>
+        <p:nvSpPr>
+          <p:cNvPr id="25" name="矩形 24">
+            <a:extLst>
+              <a:ext uri="{FF2B5EF4-FFF2-40B4-BE49-F238E27FC236}">
+                <a16:creationId xmlns:a16="http://schemas.microsoft.com/office/drawing/2014/main" id="{87A9365F-7A88-47C2-B276-AF2B5BC4ABA1}"/>
+              </a:ext>
+            </a:extLst>
+          </p:cNvPr>
+          <p:cNvSpPr/>
+          <p:nvPr/>
+        </p:nvSpPr>
+        <p:spPr>
+          <a:xfrm>
+            <a:off x="2888608" y="4816679"/>
+            <a:ext cx="738231" cy="427838"/>
+          </a:xfrm>
+          <a:prstGeom prst="rect">
+            <a:avLst/>
+          </a:prstGeom>
+        </p:spPr>
+        <p:style>
+          <a:lnRef idx="2">
+            <a:schemeClr val="accent1">
+              <a:shade val="50000"/>
+            </a:schemeClr>
+          </a:lnRef>
+          <a:fillRef idx="1">
+            <a:schemeClr val="accent1"/>
+          </a:fillRef>
+          <a:effectRef idx="0">
+            <a:schemeClr val="accent1"/>
+          </a:effectRef>
+          <a:fontRef idx="minor">
+            <a:schemeClr val="lt1"/>
+          </a:fontRef>
+        </p:style>
+        <p:txBody>
+          <a:bodyPr rtlCol="0" anchor="ctr"/>
+          <a:lstStyle/>
+          <a:p>
+            <a:pPr algn="ctr"/>
+            <a:r>
+              <a:rPr lang="en-US" altLang="zh-CN" dirty="0"/>
+              <a:t>3</a:t>
+            </a:r>
+            <a:endParaRPr lang="zh-CN" altLang="en-US" dirty="0"/>
+          </a:p>
+        </p:txBody>
+      </p:sp>
+      <p:sp>
+        <p:nvSpPr>
+          <p:cNvPr id="26" name="矩形 25">
+            <a:extLst>
+              <a:ext uri="{FF2B5EF4-FFF2-40B4-BE49-F238E27FC236}">
+                <a16:creationId xmlns:a16="http://schemas.microsoft.com/office/drawing/2014/main" id="{BC45B98F-2947-4B0B-B88B-A654361CCF80}"/>
+              </a:ext>
+            </a:extLst>
+          </p:cNvPr>
+          <p:cNvSpPr/>
+          <p:nvPr/>
+        </p:nvSpPr>
+        <p:spPr>
+          <a:xfrm>
+            <a:off x="989899" y="5577280"/>
+            <a:ext cx="738231" cy="427838"/>
+          </a:xfrm>
+          <a:prstGeom prst="rect">
+            <a:avLst/>
+          </a:prstGeom>
+        </p:spPr>
+        <p:style>
+          <a:lnRef idx="2">
+            <a:schemeClr val="accent1">
+              <a:shade val="50000"/>
+            </a:schemeClr>
+          </a:lnRef>
+          <a:fillRef idx="1">
+            <a:schemeClr val="accent1"/>
+          </a:fillRef>
+          <a:effectRef idx="0">
+            <a:schemeClr val="accent1"/>
+          </a:effectRef>
+          <a:fontRef idx="minor">
+            <a:schemeClr val="lt1"/>
+          </a:fontRef>
+        </p:style>
+        <p:txBody>
+          <a:bodyPr rtlCol="0" anchor="ctr"/>
+          <a:lstStyle/>
+          <a:p>
+            <a:pPr algn="ctr"/>
+            <a:r>
+              <a:rPr lang="en-US" altLang="zh-CN" dirty="0"/>
+              <a:t>3</a:t>
+            </a:r>
+            <a:endParaRPr lang="zh-CN" altLang="en-US" dirty="0"/>
+          </a:p>
+        </p:txBody>
+      </p:sp>
+      <p:sp>
+        <p:nvSpPr>
+          <p:cNvPr id="27" name="矩形 26">
+            <a:extLst>
+              <a:ext uri="{FF2B5EF4-FFF2-40B4-BE49-F238E27FC236}">
+                <a16:creationId xmlns:a16="http://schemas.microsoft.com/office/drawing/2014/main" id="{903BB172-FC1D-4F17-803B-45B48F57557E}"/>
+              </a:ext>
+            </a:extLst>
+          </p:cNvPr>
+          <p:cNvSpPr/>
+          <p:nvPr/>
+        </p:nvSpPr>
+        <p:spPr>
+          <a:xfrm>
+            <a:off x="1939253" y="5577280"/>
+            <a:ext cx="738231" cy="427838"/>
+          </a:xfrm>
+          <a:prstGeom prst="rect">
+            <a:avLst/>
+          </a:prstGeom>
+        </p:spPr>
+        <p:style>
+          <a:lnRef idx="2">
+            <a:schemeClr val="accent1">
+              <a:shade val="50000"/>
+            </a:schemeClr>
+          </a:lnRef>
+          <a:fillRef idx="1">
+            <a:schemeClr val="accent1"/>
+          </a:fillRef>
+          <a:effectRef idx="0">
+            <a:schemeClr val="accent1"/>
+          </a:effectRef>
+          <a:fontRef idx="minor">
+            <a:schemeClr val="lt1"/>
+          </a:fontRef>
+        </p:style>
+        <p:txBody>
+          <a:bodyPr rtlCol="0" anchor="ctr"/>
+          <a:lstStyle/>
+          <a:p>
+            <a:pPr algn="ctr"/>
+            <a:r>
+              <a:rPr lang="en-US" altLang="zh-CN" dirty="0"/>
+              <a:t>5</a:t>
+            </a:r>
+            <a:endParaRPr lang="zh-CN" altLang="en-US" dirty="0"/>
+          </a:p>
+        </p:txBody>
+      </p:sp>
+      <p:sp>
+        <p:nvSpPr>
+          <p:cNvPr id="29" name="矩形 28">
+            <a:extLst>
+              <a:ext uri="{FF2B5EF4-FFF2-40B4-BE49-F238E27FC236}">
+                <a16:creationId xmlns:a16="http://schemas.microsoft.com/office/drawing/2014/main" id="{0036CC04-89BB-4AF6-A2DA-F9E66C97BFA9}"/>
+              </a:ext>
+            </a:extLst>
+          </p:cNvPr>
+          <p:cNvSpPr/>
+          <p:nvPr/>
+        </p:nvSpPr>
+        <p:spPr>
+          <a:xfrm>
+            <a:off x="3837962" y="4112004"/>
+            <a:ext cx="738231" cy="427838"/>
+          </a:xfrm>
+          <a:prstGeom prst="rect">
+            <a:avLst/>
+          </a:prstGeom>
+        </p:spPr>
+        <p:style>
+          <a:lnRef idx="2">
+            <a:schemeClr val="accent1">
+              <a:shade val="50000"/>
+            </a:schemeClr>
+          </a:lnRef>
+          <a:fillRef idx="1">
+            <a:schemeClr val="accent1"/>
+          </a:fillRef>
+          <a:effectRef idx="0">
+            <a:schemeClr val="accent1"/>
+          </a:effectRef>
+          <a:fontRef idx="minor">
+            <a:schemeClr val="lt1"/>
+          </a:fontRef>
+        </p:style>
+        <p:txBody>
+          <a:bodyPr rtlCol="0" anchor="ctr"/>
+          <a:lstStyle/>
+          <a:p>
+            <a:pPr algn="ctr"/>
+            <a:r>
+              <a:rPr lang="en-US" altLang="zh-CN" dirty="0"/>
+              <a:t>4</a:t>
+            </a:r>
+            <a:endParaRPr lang="zh-CN" altLang="en-US" dirty="0"/>
+          </a:p>
+        </p:txBody>
+      </p:sp>
+      <p:sp>
+        <p:nvSpPr>
+          <p:cNvPr id="32" name="矩形 31">
+            <a:extLst>
+              <a:ext uri="{FF2B5EF4-FFF2-40B4-BE49-F238E27FC236}">
+                <a16:creationId xmlns:a16="http://schemas.microsoft.com/office/drawing/2014/main" id="{86C8C731-0491-46EE-8490-BAB48073D930}"/>
+              </a:ext>
+            </a:extLst>
+          </p:cNvPr>
+          <p:cNvSpPr/>
+          <p:nvPr/>
+        </p:nvSpPr>
+        <p:spPr>
+          <a:xfrm>
+            <a:off x="4787315" y="4112004"/>
+            <a:ext cx="738231" cy="427838"/>
+          </a:xfrm>
+          <a:prstGeom prst="rect">
+            <a:avLst/>
+          </a:prstGeom>
+        </p:spPr>
+        <p:style>
+          <a:lnRef idx="2">
+            <a:schemeClr val="accent1">
+              <a:shade val="50000"/>
+            </a:schemeClr>
+          </a:lnRef>
+          <a:fillRef idx="1">
+            <a:schemeClr val="accent1"/>
+          </a:fillRef>
+          <a:effectRef idx="0">
+            <a:schemeClr val="accent1"/>
+          </a:effectRef>
+          <a:fontRef idx="minor">
+            <a:schemeClr val="lt1"/>
+          </a:fontRef>
+        </p:style>
+        <p:txBody>
+          <a:bodyPr rtlCol="0" anchor="ctr"/>
+          <a:lstStyle/>
+          <a:p>
+            <a:pPr algn="ctr"/>
+            <a:r>
+              <a:rPr lang="en-US" altLang="zh-CN" dirty="0"/>
+              <a:t>5</a:t>
+            </a:r>
+            <a:endParaRPr lang="zh-CN" altLang="en-US" dirty="0"/>
+          </a:p>
+        </p:txBody>
+      </p:sp>
+      <p:cxnSp>
+        <p:nvCxnSpPr>
+          <p:cNvPr id="36" name="直接箭头连接符 35">
+            <a:extLst>
+              <a:ext uri="{FF2B5EF4-FFF2-40B4-BE49-F238E27FC236}">
+                <a16:creationId xmlns:a16="http://schemas.microsoft.com/office/drawing/2014/main" id="{F8338358-0CCF-4026-9870-171E2354B690}"/>
+              </a:ext>
+            </a:extLst>
+          </p:cNvPr>
+          <p:cNvCxnSpPr>
+            <a:stCxn id="20" idx="3"/>
+            <a:endCxn id="22" idx="1"/>
+          </p:cNvCxnSpPr>
+          <p:nvPr/>
+        </p:nvCxnSpPr>
+        <p:spPr>
+          <a:xfrm>
+            <a:off x="1728131" y="4325923"/>
+            <a:ext cx="211123" cy="0"/>
+          </a:xfrm>
+          <a:prstGeom prst="straightConnector1">
+            <a:avLst/>
+          </a:prstGeom>
+          <a:ln>
+            <a:tailEnd type="triangle"/>
+          </a:ln>
+        </p:spPr>
+        <p:style>
+          <a:lnRef idx="1">
+            <a:schemeClr val="accent1"/>
+          </a:lnRef>
+          <a:fillRef idx="0">
+            <a:schemeClr val="accent1"/>
+          </a:fillRef>
+          <a:effectRef idx="0">
+            <a:schemeClr val="accent1"/>
+          </a:effectRef>
+          <a:fontRef idx="minor">
+            <a:schemeClr val="tx1"/>
+          </a:fontRef>
+        </p:style>
+      </p:cxnSp>
+      <p:cxnSp>
+        <p:nvCxnSpPr>
+          <p:cNvPr id="37" name="直接箭头连接符 36">
+            <a:extLst>
+              <a:ext uri="{FF2B5EF4-FFF2-40B4-BE49-F238E27FC236}">
+                <a16:creationId xmlns:a16="http://schemas.microsoft.com/office/drawing/2014/main" id="{D274DA83-975B-47B5-AD62-3A37C4A7D083}"/>
+              </a:ext>
+            </a:extLst>
+          </p:cNvPr>
+          <p:cNvCxnSpPr/>
+          <p:nvPr/>
+        </p:nvCxnSpPr>
+        <p:spPr>
+          <a:xfrm>
+            <a:off x="2677485" y="4332914"/>
+            <a:ext cx="211123" cy="0"/>
+          </a:xfrm>
+          <a:prstGeom prst="straightConnector1">
+            <a:avLst/>
+          </a:prstGeom>
+          <a:ln>
+            <a:tailEnd type="triangle"/>
+          </a:ln>
+        </p:spPr>
+        <p:style>
+          <a:lnRef idx="1">
+            <a:schemeClr val="accent1"/>
+          </a:lnRef>
+          <a:fillRef idx="0">
+            <a:schemeClr val="accent1"/>
+          </a:fillRef>
+          <a:effectRef idx="0">
+            <a:schemeClr val="accent1"/>
+          </a:effectRef>
+          <a:fontRef idx="minor">
+            <a:schemeClr val="tx1"/>
+          </a:fontRef>
+        </p:style>
+      </p:cxnSp>
+      <p:cxnSp>
+        <p:nvCxnSpPr>
+          <p:cNvPr id="38" name="直接箭头连接符 37">
+            <a:extLst>
+              <a:ext uri="{FF2B5EF4-FFF2-40B4-BE49-F238E27FC236}">
+                <a16:creationId xmlns:a16="http://schemas.microsoft.com/office/drawing/2014/main" id="{F1753860-DD47-4DC7-A98C-906CF3DA228F}"/>
+              </a:ext>
+            </a:extLst>
+          </p:cNvPr>
+          <p:cNvCxnSpPr/>
+          <p:nvPr/>
+        </p:nvCxnSpPr>
+        <p:spPr>
+          <a:xfrm>
+            <a:off x="3626839" y="4332914"/>
+            <a:ext cx="211123" cy="0"/>
+          </a:xfrm>
+          <a:prstGeom prst="straightConnector1">
+            <a:avLst/>
+          </a:prstGeom>
+          <a:ln>
+            <a:tailEnd type="triangle"/>
+          </a:ln>
+        </p:spPr>
+        <p:style>
+          <a:lnRef idx="1">
+            <a:schemeClr val="accent1"/>
+          </a:lnRef>
+          <a:fillRef idx="0">
+            <a:schemeClr val="accent1"/>
+          </a:fillRef>
+          <a:effectRef idx="0">
+            <a:schemeClr val="accent1"/>
+          </a:effectRef>
+          <a:fontRef idx="minor">
+            <a:schemeClr val="tx1"/>
+          </a:fontRef>
+        </p:style>
+      </p:cxnSp>
+      <p:cxnSp>
+        <p:nvCxnSpPr>
+          <p:cNvPr id="39" name="直接箭头连接符 38">
+            <a:extLst>
+              <a:ext uri="{FF2B5EF4-FFF2-40B4-BE49-F238E27FC236}">
+                <a16:creationId xmlns:a16="http://schemas.microsoft.com/office/drawing/2014/main" id="{AA470B0D-4B0C-411A-9562-DFA748158260}"/>
+              </a:ext>
+            </a:extLst>
+          </p:cNvPr>
+          <p:cNvCxnSpPr/>
+          <p:nvPr/>
+        </p:nvCxnSpPr>
+        <p:spPr>
+          <a:xfrm>
+            <a:off x="4576192" y="4332914"/>
+            <a:ext cx="211123" cy="0"/>
+          </a:xfrm>
+          <a:prstGeom prst="straightConnector1">
+            <a:avLst/>
+          </a:prstGeom>
+          <a:ln>
+            <a:tailEnd type="triangle"/>
+          </a:ln>
+        </p:spPr>
+        <p:style>
+          <a:lnRef idx="1">
+            <a:schemeClr val="accent1"/>
+          </a:lnRef>
+          <a:fillRef idx="0">
+            <a:schemeClr val="accent1"/>
+          </a:fillRef>
+          <a:effectRef idx="0">
+            <a:schemeClr val="accent1"/>
+          </a:effectRef>
+          <a:fontRef idx="minor">
+            <a:schemeClr val="tx1"/>
+          </a:fontRef>
+        </p:style>
+      </p:cxnSp>
+      <p:cxnSp>
+        <p:nvCxnSpPr>
+          <p:cNvPr id="45" name="直接箭头连接符 44">
+            <a:extLst>
+              <a:ext uri="{FF2B5EF4-FFF2-40B4-BE49-F238E27FC236}">
+                <a16:creationId xmlns:a16="http://schemas.microsoft.com/office/drawing/2014/main" id="{5AAB9D5C-E9B8-4E75-8243-5CC9CB3B0F43}"/>
+              </a:ext>
+            </a:extLst>
+          </p:cNvPr>
+          <p:cNvCxnSpPr/>
+          <p:nvPr/>
+        </p:nvCxnSpPr>
+        <p:spPr>
+          <a:xfrm>
+            <a:off x="1728130" y="5051570"/>
+            <a:ext cx="211123" cy="0"/>
+          </a:xfrm>
+          <a:prstGeom prst="straightConnector1">
+            <a:avLst/>
+          </a:prstGeom>
+          <a:ln>
+            <a:tailEnd type="triangle"/>
+          </a:ln>
+        </p:spPr>
+        <p:style>
+          <a:lnRef idx="1">
+            <a:schemeClr val="accent1"/>
+          </a:lnRef>
+          <a:fillRef idx="0">
+            <a:schemeClr val="accent1"/>
+          </a:fillRef>
+          <a:effectRef idx="0">
+            <a:schemeClr val="accent1"/>
+          </a:effectRef>
+          <a:fontRef idx="minor">
+            <a:schemeClr val="tx1"/>
+          </a:fontRef>
+        </p:style>
+      </p:cxnSp>
+      <p:cxnSp>
+        <p:nvCxnSpPr>
+          <p:cNvPr id="46" name="直接箭头连接符 45">
+            <a:extLst>
+              <a:ext uri="{FF2B5EF4-FFF2-40B4-BE49-F238E27FC236}">
+                <a16:creationId xmlns:a16="http://schemas.microsoft.com/office/drawing/2014/main" id="{F8861D91-06ED-4A35-8C31-78ED76E5FA93}"/>
+              </a:ext>
+            </a:extLst>
+          </p:cNvPr>
+          <p:cNvCxnSpPr/>
+          <p:nvPr/>
+        </p:nvCxnSpPr>
+        <p:spPr>
+          <a:xfrm>
+            <a:off x="2677484" y="5058561"/>
+            <a:ext cx="211123" cy="0"/>
+          </a:xfrm>
+          <a:prstGeom prst="straightConnector1">
+            <a:avLst/>
+          </a:prstGeom>
+          <a:ln>
+            <a:tailEnd type="triangle"/>
+          </a:ln>
+        </p:spPr>
+        <p:style>
+          <a:lnRef idx="1">
+            <a:schemeClr val="accent1"/>
+          </a:lnRef>
+          <a:fillRef idx="0">
+            <a:schemeClr val="accent1"/>
+          </a:fillRef>
+          <a:effectRef idx="0">
+            <a:schemeClr val="accent1"/>
+          </a:effectRef>
+          <a:fontRef idx="minor">
+            <a:schemeClr val="tx1"/>
+          </a:fontRef>
+        </p:style>
+      </p:cxnSp>
+      <p:cxnSp>
+        <p:nvCxnSpPr>
+          <p:cNvPr id="47" name="直接箭头连接符 46">
+            <a:extLst>
+              <a:ext uri="{FF2B5EF4-FFF2-40B4-BE49-F238E27FC236}">
+                <a16:creationId xmlns:a16="http://schemas.microsoft.com/office/drawing/2014/main" id="{6DBDE208-3EEF-4055-825B-BDE86DFE3F89}"/>
+              </a:ext>
+            </a:extLst>
+          </p:cNvPr>
+          <p:cNvCxnSpPr/>
+          <p:nvPr/>
+        </p:nvCxnSpPr>
+        <p:spPr>
+          <a:xfrm>
+            <a:off x="1732321" y="5791199"/>
+            <a:ext cx="211123" cy="0"/>
+          </a:xfrm>
+          <a:prstGeom prst="straightConnector1">
+            <a:avLst/>
+          </a:prstGeom>
+          <a:ln>
+            <a:tailEnd type="triangle"/>
+          </a:ln>
+        </p:spPr>
+        <p:style>
+          <a:lnRef idx="1">
+            <a:schemeClr val="accent1"/>
+          </a:lnRef>
+          <a:fillRef idx="0">
+            <a:schemeClr val="accent1"/>
+          </a:fillRef>
+          <a:effectRef idx="0">
+            <a:schemeClr val="accent1"/>
+          </a:effectRef>
+          <a:fontRef idx="minor">
+            <a:schemeClr val="tx1"/>
+          </a:fontRef>
+        </p:style>
+      </p:cxnSp>
+      <p:sp>
+        <p:nvSpPr>
+          <p:cNvPr id="50" name="文本框 49">
+            <a:extLst>
+              <a:ext uri="{FF2B5EF4-FFF2-40B4-BE49-F238E27FC236}">
+                <a16:creationId xmlns:a16="http://schemas.microsoft.com/office/drawing/2014/main" id="{225BDEE6-1598-4A43-8229-008969B78D42}"/>
+              </a:ext>
+            </a:extLst>
+          </p:cNvPr>
+          <p:cNvSpPr txBox="1"/>
+          <p:nvPr/>
+        </p:nvSpPr>
+        <p:spPr>
+          <a:xfrm>
+            <a:off x="6470009" y="1862356"/>
+            <a:ext cx="2833382" cy="369332"/>
+          </a:xfrm>
+          <a:prstGeom prst="rect">
+            <a:avLst/>
+          </a:prstGeom>
+          <a:noFill/>
+        </p:spPr>
+        <p:txBody>
+          <a:bodyPr wrap="square">
+            <a:spAutoFit/>
+          </a:bodyPr>
+          <a:lstStyle/>
+          <a:p>
+            <a:r>
+              <a:rPr lang="en-US" altLang="zh-CN" b="0" i="0" dirty="0">
+                <a:effectLst/>
+                <a:latin typeface="-apple-system"/>
+              </a:rPr>
+              <a:t> [</a:t>
+            </a:r>
+            <a:r>
+              <a:rPr lang="en-US" altLang="zh-CN" b="0" i="1" dirty="0" err="1">
+                <a:effectLst/>
+                <a:latin typeface="-apple-system"/>
+              </a:rPr>
+              <a:t>seq_len</a:t>
+            </a:r>
+            <a:r>
+              <a:rPr lang="en-US" altLang="zh-CN" b="0" i="1" dirty="0">
+                <a:effectLst/>
+                <a:latin typeface="-apple-system"/>
+              </a:rPr>
+              <a:t>, batch, </a:t>
+            </a:r>
+            <a:r>
+              <a:rPr lang="en-US" altLang="zh-CN" b="0" i="1" dirty="0" err="1">
+                <a:effectLst/>
+                <a:latin typeface="-apple-system"/>
+              </a:rPr>
+              <a:t>input_size</a:t>
+            </a:r>
+            <a:r>
+              <a:rPr lang="en-US" altLang="zh-CN" b="0" i="0" dirty="0">
+                <a:effectLst/>
+                <a:latin typeface="-apple-system"/>
+              </a:rPr>
+              <a:t>]</a:t>
+            </a:r>
+            <a:endParaRPr lang="zh-CN" altLang="en-US" dirty="0"/>
+          </a:p>
+        </p:txBody>
+      </p:sp>
+      <p:sp>
+        <p:nvSpPr>
+          <p:cNvPr id="52" name="文本框 51">
+            <a:extLst>
+              <a:ext uri="{FF2B5EF4-FFF2-40B4-BE49-F238E27FC236}">
+                <a16:creationId xmlns:a16="http://schemas.microsoft.com/office/drawing/2014/main" id="{6341EB97-2B28-42D5-A803-AFC8269CF25F}"/>
+              </a:ext>
+            </a:extLst>
+          </p:cNvPr>
+          <p:cNvSpPr txBox="1"/>
+          <p:nvPr/>
+        </p:nvSpPr>
+        <p:spPr>
+          <a:xfrm>
+            <a:off x="6470009" y="5030598"/>
+            <a:ext cx="2908882" cy="369332"/>
+          </a:xfrm>
+          <a:prstGeom prst="rect">
+            <a:avLst/>
+          </a:prstGeom>
+          <a:noFill/>
+        </p:spPr>
+        <p:txBody>
+          <a:bodyPr wrap="square">
+            <a:spAutoFit/>
+          </a:bodyPr>
+          <a:lstStyle/>
+          <a:p>
+            <a:r>
+              <a:rPr lang="en-US" altLang="zh-CN" b="0" i="0" dirty="0">
+                <a:effectLst/>
+                <a:latin typeface="-apple-system"/>
+              </a:rPr>
+              <a:t> [</a:t>
+            </a:r>
+            <a:r>
+              <a:rPr lang="en-US" altLang="zh-CN" b="0" i="1" dirty="0">
+                <a:effectLst/>
+                <a:latin typeface="-apple-system"/>
+              </a:rPr>
+              <a:t>1, batch, </a:t>
+            </a:r>
+            <a:r>
+              <a:rPr lang="en-US" altLang="zh-CN" b="0" i="1" dirty="0" err="1">
+                <a:effectLst/>
+                <a:latin typeface="-apple-system"/>
+              </a:rPr>
+              <a:t>input_size</a:t>
+            </a:r>
+            <a:r>
+              <a:rPr lang="en-US" altLang="zh-CN" b="0" i="0" dirty="0">
+                <a:effectLst/>
+                <a:latin typeface="-apple-system"/>
+              </a:rPr>
+              <a:t>]</a:t>
+            </a:r>
+            <a:endParaRPr lang="zh-CN" altLang="en-US" dirty="0"/>
+          </a:p>
+        </p:txBody>
+      </p:sp>
+      <p:sp>
+        <p:nvSpPr>
+          <p:cNvPr id="53" name="矩形 52">
+            <a:extLst>
+              <a:ext uri="{FF2B5EF4-FFF2-40B4-BE49-F238E27FC236}">
+                <a16:creationId xmlns:a16="http://schemas.microsoft.com/office/drawing/2014/main" id="{AF3EFD9A-8E1B-4E02-9313-0DCD048E3A95}"/>
+              </a:ext>
+            </a:extLst>
+          </p:cNvPr>
+          <p:cNvSpPr/>
+          <p:nvPr/>
+        </p:nvSpPr>
+        <p:spPr>
+          <a:xfrm>
+            <a:off x="847288" y="3874318"/>
+            <a:ext cx="986403" cy="2492926"/>
+          </a:xfrm>
+          <a:prstGeom prst="rect">
+            <a:avLst/>
+          </a:prstGeom>
+          <a:noFill/>
+          <a:ln>
+            <a:prstDash val="lgDash"/>
+          </a:ln>
+        </p:spPr>
+        <p:style>
+          <a:lnRef idx="2">
+            <a:schemeClr val="accent1">
+              <a:shade val="50000"/>
+            </a:schemeClr>
+          </a:lnRef>
+          <a:fillRef idx="1">
+            <a:schemeClr val="accent1"/>
+          </a:fillRef>
+          <a:effectRef idx="0">
+            <a:schemeClr val="accent1"/>
+          </a:effectRef>
+          <a:fontRef idx="minor">
+            <a:schemeClr val="lt1"/>
+          </a:fontRef>
+        </p:style>
+        <p:txBody>
+          <a:bodyPr rtlCol="0" anchor="ctr"/>
+          <a:lstStyle/>
+          <a:p>
+            <a:pPr algn="ctr"/>
+            <a:endParaRPr lang="zh-CN" altLang="en-US" dirty="0"/>
+          </a:p>
+        </p:txBody>
+      </p:sp>
+    </p:spTree>
+    <p:extLst>
+      <p:ext uri="{BB962C8B-B14F-4D97-AF65-F5344CB8AC3E}">
+        <p14:creationId xmlns:p14="http://schemas.microsoft.com/office/powerpoint/2010/main" val="200320175"/>
+      </p:ext>
+    </p:extLst>
+  </p:cSld>
+  <p:clrMapOvr>
+    <a:masterClrMapping/>
+  </p:clrMapOvr>
+</p:sld>
+</file>
+
 <file path=ppt/theme/theme1.xml><?xml version="1.0" encoding="utf-8"?>
 <a:theme xmlns:a="http://schemas.openxmlformats.org/drawingml/2006/main" name="Office 主题​​">
   <a:themeElements>
